--- a/introductory_slides/case_study_dinosaurs.pptx
+++ b/introductory_slides/case_study_dinosaurs.pptx
@@ -3322,14 +3322,10 @@
           <a:p>
             <a:pPr algn="ctr"/>
             <a:r>
-              <a:rPr lang="en-US" sz="4000" dirty="0"/>
-              <a:t>6</a:t>
-            </a:r>
-            <a:r>
-              <a:rPr lang="en-US" sz="4000" dirty="0" smtClean="0"/>
-              <a:t>0</a:t>
-            </a:r>
-            <a:endParaRPr lang="en-US" sz="4000" dirty="0"/>
+              <a:rPr lang="en-US" sz="2800" dirty="0" smtClean="0"/>
+              <a:t>55.1</a:t>
+            </a:r>
+            <a:endParaRPr lang="en-US" sz="2800" dirty="0"/>
           </a:p>
         </p:txBody>
       </p:sp>
@@ -3424,10 +3420,10 @@
           <a:p>
             <a:pPr algn="ctr"/>
             <a:r>
-              <a:rPr lang="en-US" sz="4000" dirty="0" smtClean="0"/>
-              <a:t>65</a:t>
-            </a:r>
-            <a:endParaRPr lang="en-US" sz="4000" dirty="0"/>
+              <a:rPr lang="en-US" sz="2800" dirty="0" smtClean="0"/>
+              <a:t>59.4</a:t>
+            </a:r>
+            <a:endParaRPr lang="en-US" sz="2800" dirty="0"/>
           </a:p>
         </p:txBody>
       </p:sp>
@@ -3468,10 +3464,10 @@
           <a:p>
             <a:pPr algn="ctr"/>
             <a:r>
-              <a:rPr lang="en-US" sz="4000" dirty="0" smtClean="0"/>
-              <a:t>70</a:t>
-            </a:r>
-            <a:endParaRPr lang="en-US" sz="4000" dirty="0"/>
+              <a:rPr lang="en-US" sz="2800" dirty="0" smtClean="0"/>
+              <a:t>67.5</a:t>
+            </a:r>
+            <a:endParaRPr lang="en-US" sz="2800" dirty="0"/>
           </a:p>
         </p:txBody>
       </p:sp>
@@ -3512,10 +3508,10 @@
           <a:p>
             <a:pPr algn="ctr"/>
             <a:r>
-              <a:rPr lang="en-US" sz="4000" dirty="0" smtClean="0"/>
-              <a:t>68</a:t>
-            </a:r>
-            <a:endParaRPr lang="en-US" sz="4000" dirty="0"/>
+              <a:rPr lang="en-US" sz="2800" dirty="0" smtClean="0"/>
+              <a:t>61.4</a:t>
+            </a:r>
+            <a:endParaRPr lang="en-US" sz="2800" dirty="0"/>
           </a:p>
         </p:txBody>
       </p:sp>

--- a/introductory_slides/case_study_dinosaurs.pptx
+++ b/introductory_slides/case_study_dinosaurs.pptx
@@ -3293,7 +3293,7 @@
         </p:nvSpPr>
         <p:spPr>
           <a:xfrm>
-            <a:off x="7277755" y="1416375"/>
+            <a:off x="7088951" y="1416375"/>
             <a:ext cx="1188536" cy="1188449"/>
           </a:xfrm>
           <a:prstGeom prst="ellipse">
@@ -3337,7 +3337,7 @@
         </p:nvSpPr>
         <p:spPr>
           <a:xfrm>
-            <a:off x="7082377" y="911688"/>
+            <a:off x="6893573" y="911688"/>
             <a:ext cx="1514545" cy="369332"/>
           </a:xfrm>
           <a:prstGeom prst="rect">
@@ -3391,7 +3391,7 @@
         </p:nvSpPr>
         <p:spPr>
           <a:xfrm>
-            <a:off x="7278589" y="2818822"/>
+            <a:off x="7089785" y="2818822"/>
             <a:ext cx="1188536" cy="1188449"/>
           </a:xfrm>
           <a:prstGeom prst="ellipse">
@@ -3435,7 +3435,7 @@
         </p:nvSpPr>
         <p:spPr>
           <a:xfrm>
-            <a:off x="7294870" y="5475996"/>
+            <a:off x="7106066" y="5475996"/>
             <a:ext cx="1188536" cy="1188449"/>
           </a:xfrm>
           <a:prstGeom prst="ellipse">
@@ -3479,7 +3479,7 @@
         </p:nvSpPr>
         <p:spPr>
           <a:xfrm>
-            <a:off x="7277755" y="4155545"/>
+            <a:off x="7088951" y="4155545"/>
             <a:ext cx="1188536" cy="1188449"/>
           </a:xfrm>
           <a:prstGeom prst="ellipse">
@@ -3563,6 +3563,70 @@
           </a:prstGeom>
         </p:spPr>
       </p:pic>
+      <p:sp>
+        <p:nvSpPr>
+          <p:cNvPr id="19" name="TextBox 18"/>
+          <p:cNvSpPr txBox="1"/>
+          <p:nvPr/>
+        </p:nvSpPr>
+        <p:spPr>
+          <a:xfrm rot="5400000">
+            <a:off x="7559869" y="4496205"/>
+            <a:ext cx="1997174" cy="369332"/>
+          </a:xfrm>
+          <a:prstGeom prst="rect">
+            <a:avLst/>
+          </a:prstGeom>
+          <a:solidFill>
+            <a:schemeClr val="accent2"/>
+          </a:solidFill>
+        </p:spPr>
+        <p:txBody>
+          <a:bodyPr wrap="none" rtlCol="0">
+            <a:spAutoFit/>
+          </a:bodyPr>
+          <a:lstStyle/>
+          <a:p>
+            <a:r>
+              <a:rPr lang="en-US" dirty="0" smtClean="0"/>
+              <a:t>Technical Abstracts</a:t>
+            </a:r>
+            <a:endParaRPr lang="en-US" dirty="0"/>
+          </a:p>
+        </p:txBody>
+      </p:sp>
+      <p:sp>
+        <p:nvSpPr>
+          <p:cNvPr id="20" name="TextBox 19"/>
+          <p:cNvSpPr txBox="1"/>
+          <p:nvPr/>
+        </p:nvSpPr>
+        <p:spPr>
+          <a:xfrm rot="5400000">
+            <a:off x="7937633" y="5707264"/>
+            <a:ext cx="1980029" cy="369332"/>
+          </a:xfrm>
+          <a:prstGeom prst="rect">
+            <a:avLst/>
+          </a:prstGeom>
+          <a:solidFill>
+            <a:schemeClr val="accent3"/>
+          </a:solidFill>
+        </p:spPr>
+        <p:txBody>
+          <a:bodyPr wrap="none" rtlCol="0">
+            <a:spAutoFit/>
+          </a:bodyPr>
+          <a:lstStyle/>
+          <a:p>
+            <a:r>
+              <a:rPr lang="en-US" dirty="0" smtClean="0"/>
+              <a:t>Newspaper articles</a:t>
+            </a:r>
+            <a:endParaRPr lang="en-US" dirty="0"/>
+          </a:p>
+        </p:txBody>
+      </p:sp>
     </p:spTree>
     <p:extLst>
       <p:ext uri="{BB962C8B-B14F-4D97-AF65-F5344CB8AC3E}">
